--- a/Anime Dataset Analysis.pptx
+++ b/Anime Dataset Analysis.pptx
@@ -11,16 +11,16 @@
     <p:sldId id="259" r:id="rId5"/>
     <p:sldId id="260" r:id="rId6"/>
     <p:sldId id="261" r:id="rId7"/>
-    <p:sldId id="262" r:id="rId8"/>
-    <p:sldId id="263" r:id="rId9"/>
-    <p:sldId id="264" r:id="rId10"/>
-    <p:sldId id="265" r:id="rId11"/>
-    <p:sldId id="266" r:id="rId12"/>
-    <p:sldId id="267" r:id="rId13"/>
-    <p:sldId id="268" r:id="rId14"/>
-    <p:sldId id="269" r:id="rId15"/>
-    <p:sldId id="270" r:id="rId16"/>
-    <p:sldId id="271" r:id="rId17"/>
+    <p:sldId id="263" r:id="rId8"/>
+    <p:sldId id="264" r:id="rId9"/>
+    <p:sldId id="265" r:id="rId10"/>
+    <p:sldId id="266" r:id="rId11"/>
+    <p:sldId id="267" r:id="rId12"/>
+    <p:sldId id="268" r:id="rId13"/>
+    <p:sldId id="269" r:id="rId14"/>
+    <p:sldId id="270" r:id="rId15"/>
+    <p:sldId id="271" r:id="rId16"/>
+    <p:sldId id="272" r:id="rId17"/>
   </p:sldIdLst>
   <p:sldSz cx="12192000" cy="6858000"/>
   <p:notesSz cx="6858000" cy="9144000"/>
@@ -401,7 +401,7 @@
           <a:p>
             <a:fld id="{C0A57D8A-F002-4A3D-89A6-71AB7908931C}" type="datetimeFigureOut">
               <a:rPr lang="en-IN" smtClean="0"/>
-              <a:t>08-04-2021</a:t>
+              <a:t>09-04-2021</a:t>
             </a:fld>
             <a:endParaRPr lang="en-IN"/>
           </a:p>
@@ -815,7 +815,7 @@
           <a:p>
             <a:fld id="{C0A57D8A-F002-4A3D-89A6-71AB7908931C}" type="datetimeFigureOut">
               <a:rPr lang="en-IN" smtClean="0"/>
-              <a:t>08-04-2021</a:t>
+              <a:t>09-04-2021</a:t>
             </a:fld>
             <a:endParaRPr lang="en-IN"/>
           </a:p>
@@ -1151,7 +1151,7 @@
           <a:p>
             <a:fld id="{C0A57D8A-F002-4A3D-89A6-71AB7908931C}" type="datetimeFigureOut">
               <a:rPr lang="en-IN" smtClean="0"/>
-              <a:t>08-04-2021</a:t>
+              <a:t>09-04-2021</a:t>
             </a:fld>
             <a:endParaRPr lang="en-IN"/>
           </a:p>
@@ -1556,7 +1556,7 @@
           <a:p>
             <a:fld id="{C0A57D8A-F002-4A3D-89A6-71AB7908931C}" type="datetimeFigureOut">
               <a:rPr lang="en-IN" smtClean="0"/>
-              <a:t>08-04-2021</a:t>
+              <a:t>09-04-2021</a:t>
             </a:fld>
             <a:endParaRPr lang="en-IN"/>
           </a:p>
@@ -2124,7 +2124,7 @@
           <a:p>
             <a:fld id="{C0A57D8A-F002-4A3D-89A6-71AB7908931C}" type="datetimeFigureOut">
               <a:rPr lang="en-IN" smtClean="0"/>
-              <a:t>08-04-2021</a:t>
+              <a:t>09-04-2021</a:t>
             </a:fld>
             <a:endParaRPr lang="en-IN"/>
           </a:p>
@@ -2805,7 +2805,7 @@
           <a:p>
             <a:fld id="{C0A57D8A-F002-4A3D-89A6-71AB7908931C}" type="datetimeFigureOut">
               <a:rPr lang="en-IN" smtClean="0"/>
-              <a:t>08-04-2021</a:t>
+              <a:t>09-04-2021</a:t>
             </a:fld>
             <a:endParaRPr lang="en-IN"/>
           </a:p>
@@ -3718,7 +3718,7 @@
           <a:p>
             <a:fld id="{C0A57D8A-F002-4A3D-89A6-71AB7908931C}" type="datetimeFigureOut">
               <a:rPr lang="en-IN" smtClean="0"/>
-              <a:t>08-04-2021</a:t>
+              <a:t>09-04-2021</a:t>
             </a:fld>
             <a:endParaRPr lang="en-IN"/>
           </a:p>
@@ -4031,7 +4031,7 @@
           <a:p>
             <a:fld id="{C0A57D8A-F002-4A3D-89A6-71AB7908931C}" type="datetimeFigureOut">
               <a:rPr lang="en-IN" smtClean="0"/>
-              <a:t>08-04-2021</a:t>
+              <a:t>09-04-2021</a:t>
             </a:fld>
             <a:endParaRPr lang="en-IN"/>
           </a:p>
@@ -4295,7 +4295,7 @@
           <a:p>
             <a:fld id="{C0A57D8A-F002-4A3D-89A6-71AB7908931C}" type="datetimeFigureOut">
               <a:rPr lang="en-IN" smtClean="0"/>
-              <a:t>08-04-2021</a:t>
+              <a:t>09-04-2021</a:t>
             </a:fld>
             <a:endParaRPr lang="en-IN"/>
           </a:p>
@@ -4618,7 +4618,7 @@
           <a:p>
             <a:fld id="{C0A57D8A-F002-4A3D-89A6-71AB7908931C}" type="datetimeFigureOut">
               <a:rPr lang="en-IN" smtClean="0"/>
-              <a:t>08-04-2021</a:t>
+              <a:t>09-04-2021</a:t>
             </a:fld>
             <a:endParaRPr lang="en-IN"/>
           </a:p>
@@ -5007,7 +5007,7 @@
           <a:p>
             <a:fld id="{C0A57D8A-F002-4A3D-89A6-71AB7908931C}" type="datetimeFigureOut">
               <a:rPr lang="en-IN" smtClean="0"/>
-              <a:t>08-04-2021</a:t>
+              <a:t>09-04-2021</a:t>
             </a:fld>
             <a:endParaRPr lang="en-IN"/>
           </a:p>
@@ -5383,7 +5383,7 @@
           <a:p>
             <a:fld id="{C0A57D8A-F002-4A3D-89A6-71AB7908931C}" type="datetimeFigureOut">
               <a:rPr lang="en-IN" smtClean="0"/>
-              <a:t>08-04-2021</a:t>
+              <a:t>09-04-2021</a:t>
             </a:fld>
             <a:endParaRPr lang="en-IN"/>
           </a:p>
@@ -5889,7 +5889,7 @@
           <a:p>
             <a:fld id="{C0A57D8A-F002-4A3D-89A6-71AB7908931C}" type="datetimeFigureOut">
               <a:rPr lang="en-IN" smtClean="0"/>
-              <a:t>08-04-2021</a:t>
+              <a:t>09-04-2021</a:t>
             </a:fld>
             <a:endParaRPr lang="en-IN"/>
           </a:p>
@@ -6146,7 +6146,7 @@
           <a:p>
             <a:fld id="{C0A57D8A-F002-4A3D-89A6-71AB7908931C}" type="datetimeFigureOut">
               <a:rPr lang="en-IN" smtClean="0"/>
-              <a:t>08-04-2021</a:t>
+              <a:t>09-04-2021</a:t>
             </a:fld>
             <a:endParaRPr lang="en-IN"/>
           </a:p>
@@ -6309,7 +6309,7 @@
           <a:p>
             <a:fld id="{C0A57D8A-F002-4A3D-89A6-71AB7908931C}" type="datetimeFigureOut">
               <a:rPr lang="en-IN" smtClean="0"/>
-              <a:t>08-04-2021</a:t>
+              <a:t>09-04-2021</a:t>
             </a:fld>
             <a:endParaRPr lang="en-IN"/>
           </a:p>
@@ -6699,7 +6699,7 @@
           <a:p>
             <a:fld id="{C0A57D8A-F002-4A3D-89A6-71AB7908931C}" type="datetimeFigureOut">
               <a:rPr lang="en-IN" smtClean="0"/>
-              <a:t>08-04-2021</a:t>
+              <a:t>09-04-2021</a:t>
             </a:fld>
             <a:endParaRPr lang="en-IN"/>
           </a:p>
@@ -7108,7 +7108,7 @@
           <a:p>
             <a:fld id="{C0A57D8A-F002-4A3D-89A6-71AB7908931C}" type="datetimeFigureOut">
               <a:rPr lang="en-IN" smtClean="0"/>
-              <a:t>08-04-2021</a:t>
+              <a:t>09-04-2021</a:t>
             </a:fld>
             <a:endParaRPr lang="en-IN"/>
           </a:p>
@@ -7352,7 +7352,7 @@
           <a:p>
             <a:fld id="{C0A57D8A-F002-4A3D-89A6-71AB7908931C}" type="datetimeFigureOut">
               <a:rPr lang="en-IN" smtClean="0"/>
-              <a:t>08-04-2021</a:t>
+              <a:t>09-04-2021</a:t>
             </a:fld>
             <a:endParaRPr lang="en-IN"/>
           </a:p>
@@ -7867,108 +7867,6 @@
           <p:cNvPr id="2" name="Title 1">
             <a:extLst>
               <a:ext uri="{FF2B5EF4-FFF2-40B4-BE49-F238E27FC236}">
-                <a16:creationId xmlns:a16="http://schemas.microsoft.com/office/drawing/2014/main" id="{D4246AB5-EA21-4456-AABE-E2D04758E4B1}"/>
-              </a:ext>
-            </a:extLst>
-          </p:cNvPr>
-          <p:cNvSpPr>
-            <a:spLocks noGrp="1"/>
-          </p:cNvSpPr>
-          <p:nvPr>
-            <p:ph type="title"/>
-          </p:nvPr>
-        </p:nvSpPr>
-        <p:spPr/>
-        <p:txBody>
-          <a:bodyPr/>
-          <a:lstStyle/>
-          <a:p>
-            <a:r>
-              <a:rPr lang="en-US" dirty="0"/>
-              <a:t>How many </a:t>
-            </a:r>
-            <a:r>
-              <a:rPr lang="en-US" dirty="0" err="1"/>
-              <a:t>animes</a:t>
-            </a:r>
-            <a:r>
-              <a:rPr lang="en-US" dirty="0"/>
-              <a:t> do people rate?</a:t>
-            </a:r>
-            <a:endParaRPr lang="en-IN" dirty="0"/>
-          </a:p>
-        </p:txBody>
-      </p:sp>
-      <p:pic>
-        <p:nvPicPr>
-          <p:cNvPr id="5" name="Content Placeholder 4">
-            <a:extLst>
-              <a:ext uri="{FF2B5EF4-FFF2-40B4-BE49-F238E27FC236}">
-                <a16:creationId xmlns:a16="http://schemas.microsoft.com/office/drawing/2014/main" id="{05390642-3526-49AD-8B48-F38BD7F7FE55}"/>
-              </a:ext>
-            </a:extLst>
-          </p:cNvPr>
-          <p:cNvPicPr>
-            <a:picLocks noGrp="1" noChangeAspect="1"/>
-          </p:cNvPicPr>
-          <p:nvPr>
-            <p:ph idx="1"/>
-          </p:nvPr>
-        </p:nvPicPr>
-        <p:blipFill>
-          <a:blip r:embed="rId2">
-            <a:extLst>
-              <a:ext uri="{28A0092B-C50C-407E-A947-70E740481C1C}">
-                <a14:useLocalDpi xmlns:a14="http://schemas.microsoft.com/office/drawing/2010/main" val="0"/>
-              </a:ext>
-            </a:extLst>
-          </a:blip>
-          <a:stretch>
-            <a:fillRect/>
-          </a:stretch>
-        </p:blipFill>
-        <p:spPr>
-          <a:xfrm>
-            <a:off x="1502247" y="2336800"/>
-            <a:ext cx="7971481" cy="3598863"/>
-          </a:xfrm>
-        </p:spPr>
-      </p:pic>
-    </p:spTree>
-    <p:extLst>
-      <p:ext uri="{BB962C8B-B14F-4D97-AF65-F5344CB8AC3E}">
-        <p14:creationId xmlns:p14="http://schemas.microsoft.com/office/powerpoint/2010/main" val="2500912564"/>
-      </p:ext>
-    </p:extLst>
-  </p:cSld>
-  <p:clrMapOvr>
-    <a:masterClrMapping/>
-  </p:clrMapOvr>
-</p:sld>
-</file>
-
-<file path=ppt/slides/slide11.xml><?xml version="1.0" encoding="utf-8"?>
-<p:sld xmlns:a="http://schemas.openxmlformats.org/drawingml/2006/main" xmlns:r="http://schemas.openxmlformats.org/officeDocument/2006/relationships" xmlns:p="http://schemas.openxmlformats.org/presentationml/2006/main">
-  <p:cSld>
-    <p:spTree>
-      <p:nvGrpSpPr>
-        <p:cNvPr id="1" name=""/>
-        <p:cNvGrpSpPr/>
-        <p:nvPr/>
-      </p:nvGrpSpPr>
-      <p:grpSpPr>
-        <a:xfrm>
-          <a:off x="0" y="0"/>
-          <a:ext cx="0" cy="0"/>
-          <a:chOff x="0" y="0"/>
-          <a:chExt cx="0" cy="0"/>
-        </a:xfrm>
-      </p:grpSpPr>
-      <p:sp>
-        <p:nvSpPr>
-          <p:cNvPr id="2" name="Title 1">
-            <a:extLst>
-              <a:ext uri="{FF2B5EF4-FFF2-40B4-BE49-F238E27FC236}">
                 <a16:creationId xmlns:a16="http://schemas.microsoft.com/office/drawing/2014/main" id="{2047AFD2-FE9D-49EC-A1B6-317795F8BA95}"/>
               </a:ext>
             </a:extLst>
@@ -8041,7 +7939,7 @@
 </p:sld>
 </file>
 
-<file path=ppt/slides/slide12.xml><?xml version="1.0" encoding="utf-8"?>
+<file path=ppt/slides/slide11.xml><?xml version="1.0" encoding="utf-8"?>
 <p:sld xmlns:a="http://schemas.openxmlformats.org/drawingml/2006/main" xmlns:r="http://schemas.openxmlformats.org/officeDocument/2006/relationships" xmlns:p="http://schemas.openxmlformats.org/presentationml/2006/main">
   <p:cSld>
     <p:spTree>
@@ -8139,7 +8037,7 @@
 </p:sld>
 </file>
 
-<file path=ppt/slides/slide13.xml><?xml version="1.0" encoding="utf-8"?>
+<file path=ppt/slides/slide12.xml><?xml version="1.0" encoding="utf-8"?>
 <p:sld xmlns:a="http://schemas.openxmlformats.org/drawingml/2006/main" xmlns:r="http://schemas.openxmlformats.org/officeDocument/2006/relationships" xmlns:p="http://schemas.openxmlformats.org/presentationml/2006/main">
   <p:cSld>
     <p:spTree>
@@ -8233,7 +8131,7 @@
 </p:sld>
 </file>
 
-<file path=ppt/slides/slide14.xml><?xml version="1.0" encoding="utf-8"?>
+<file path=ppt/slides/slide13.xml><?xml version="1.0" encoding="utf-8"?>
 <p:sld xmlns:a="http://schemas.openxmlformats.org/drawingml/2006/main" xmlns:r="http://schemas.openxmlformats.org/officeDocument/2006/relationships" xmlns:p="http://schemas.openxmlformats.org/presentationml/2006/main">
   <p:cSld>
     <p:spTree>
@@ -10091,7 +9989,7 @@
 </p:sld>
 </file>
 
-<file path=ppt/slides/slide15.xml><?xml version="1.0" encoding="utf-8"?>
+<file path=ppt/slides/slide14.xml><?xml version="1.0" encoding="utf-8"?>
 <p:sld xmlns:a="http://schemas.openxmlformats.org/drawingml/2006/main" xmlns:r="http://schemas.openxmlformats.org/officeDocument/2006/relationships" xmlns:p="http://schemas.openxmlformats.org/presentationml/2006/main">
   <p:cSld>
     <p:spTree>
@@ -10163,7 +10061,7 @@
         </p:blipFill>
         <p:spPr>
           <a:xfrm>
-            <a:off x="1502247" y="2336800"/>
+            <a:off x="1501510" y="2403912"/>
             <a:ext cx="7971481" cy="3598863"/>
           </a:xfrm>
         </p:spPr>
@@ -10181,7 +10079,7 @@
 </p:sld>
 </file>
 
-<file path=ppt/slides/slide16.xml><?xml version="1.0" encoding="utf-8"?>
+<file path=ppt/slides/slide15.xml><?xml version="1.0" encoding="utf-8"?>
 <p:sld xmlns:a="http://schemas.openxmlformats.org/drawingml/2006/main" xmlns:r="http://schemas.openxmlformats.org/officeDocument/2006/relationships" xmlns:p="http://schemas.openxmlformats.org/presentationml/2006/main">
   <p:cSld>
     <p:spTree>
@@ -10274,6 +10172,99 @@
 </p:sld>
 </file>
 
+<file path=ppt/slides/slide16.xml><?xml version="1.0" encoding="utf-8"?>
+<p:sld xmlns:a="http://schemas.openxmlformats.org/drawingml/2006/main" xmlns:r="http://schemas.openxmlformats.org/officeDocument/2006/relationships" xmlns:p="http://schemas.openxmlformats.org/presentationml/2006/main">
+  <p:cSld>
+    <p:spTree>
+      <p:nvGrpSpPr>
+        <p:cNvPr id="1" name=""/>
+        <p:cNvGrpSpPr/>
+        <p:nvPr/>
+      </p:nvGrpSpPr>
+      <p:grpSpPr>
+        <a:xfrm>
+          <a:off x="0" y="0"/>
+          <a:ext cx="0" cy="0"/>
+          <a:chOff x="0" y="0"/>
+          <a:chExt cx="0" cy="0"/>
+        </a:xfrm>
+      </p:grpSpPr>
+      <p:sp>
+        <p:nvSpPr>
+          <p:cNvPr id="2" name="Title 1">
+            <a:extLst>
+              <a:ext uri="{FF2B5EF4-FFF2-40B4-BE49-F238E27FC236}">
+                <a16:creationId xmlns:a16="http://schemas.microsoft.com/office/drawing/2014/main" id="{08D74D4A-0E7C-4899-BD8D-A5EDC6314F40}"/>
+              </a:ext>
+            </a:extLst>
+          </p:cNvPr>
+          <p:cNvSpPr>
+            <a:spLocks noGrp="1"/>
+          </p:cNvSpPr>
+          <p:nvPr>
+            <p:ph type="title"/>
+          </p:nvPr>
+        </p:nvSpPr>
+        <p:spPr/>
+        <p:txBody>
+          <a:bodyPr/>
+          <a:lstStyle/>
+          <a:p>
+            <a:r>
+              <a:rPr lang="en-IN" dirty="0"/>
+              <a:t>Rating VS Members</a:t>
+            </a:r>
+          </a:p>
+        </p:txBody>
+      </p:sp>
+      <p:pic>
+        <p:nvPicPr>
+          <p:cNvPr id="5" name="Content Placeholder 4">
+            <a:extLst>
+              <a:ext uri="{FF2B5EF4-FFF2-40B4-BE49-F238E27FC236}">
+                <a16:creationId xmlns:a16="http://schemas.microsoft.com/office/drawing/2014/main" id="{85047947-803E-49DE-BCC2-6D4F8C94595E}"/>
+              </a:ext>
+            </a:extLst>
+          </p:cNvPr>
+          <p:cNvPicPr>
+            <a:picLocks noGrp="1" noChangeAspect="1"/>
+          </p:cNvPicPr>
+          <p:nvPr>
+            <p:ph idx="1"/>
+          </p:nvPr>
+        </p:nvPicPr>
+        <p:blipFill>
+          <a:blip r:embed="rId2">
+            <a:extLst>
+              <a:ext uri="{28A0092B-C50C-407E-A947-70E740481C1C}">
+                <a14:useLocalDpi xmlns:a14="http://schemas.microsoft.com/office/drawing/2010/main" val="0"/>
+              </a:ext>
+            </a:extLst>
+          </a:blip>
+          <a:stretch>
+            <a:fillRect/>
+          </a:stretch>
+        </p:blipFill>
+        <p:spPr>
+          <a:xfrm>
+            <a:off x="1502247" y="2336800"/>
+            <a:ext cx="7971481" cy="3598863"/>
+          </a:xfrm>
+        </p:spPr>
+      </p:pic>
+    </p:spTree>
+    <p:extLst>
+      <p:ext uri="{BB962C8B-B14F-4D97-AF65-F5344CB8AC3E}">
+        <p14:creationId xmlns:p14="http://schemas.microsoft.com/office/powerpoint/2010/main" val="2508181919"/>
+      </p:ext>
+    </p:extLst>
+  </p:cSld>
+  <p:clrMapOvr>
+    <a:masterClrMapping/>
+  </p:clrMapOvr>
+</p:sld>
+</file>
+
 <file path=ppt/slides/slide2.xml><?xml version="1.0" encoding="utf-8"?>
 <p:sld xmlns:a="http://schemas.openxmlformats.org/drawingml/2006/main" xmlns:r="http://schemas.openxmlformats.org/officeDocument/2006/relationships" xmlns:p="http://schemas.openxmlformats.org/presentationml/2006/main">
   <p:cSld>
@@ -10368,12 +10359,6 @@
             <a:r>
               <a:rPr lang="en-IN" dirty="0"/>
               <a:t>Formattable – for tables</a:t>
-            </a:r>
-          </a:p>
-          <a:p>
-            <a:r>
-              <a:rPr lang="en-IN" dirty="0"/>
-              <a:t>lme4</a:t>
             </a:r>
           </a:p>
         </p:txBody>
@@ -16061,117 +16046,6 @@
           <p:cNvPr id="2" name="Title 1">
             <a:extLst>
               <a:ext uri="{FF2B5EF4-FFF2-40B4-BE49-F238E27FC236}">
-                <a16:creationId xmlns:a16="http://schemas.microsoft.com/office/drawing/2014/main" id="{652A8907-6E64-4143-82EF-2E73BD52B532}"/>
-              </a:ext>
-            </a:extLst>
-          </p:cNvPr>
-          <p:cNvSpPr>
-            <a:spLocks noGrp="1"/>
-          </p:cNvSpPr>
-          <p:nvPr>
-            <p:ph type="title"/>
-          </p:nvPr>
-        </p:nvSpPr>
-        <p:spPr/>
-        <p:txBody>
-          <a:bodyPr/>
-          <a:lstStyle/>
-          <a:p>
-            <a:endParaRPr lang="en-IN"/>
-          </a:p>
-        </p:txBody>
-      </p:sp>
-      <p:sp>
-        <p:nvSpPr>
-          <p:cNvPr id="3" name="Content Placeholder 2">
-            <a:extLst>
-              <a:ext uri="{FF2B5EF4-FFF2-40B4-BE49-F238E27FC236}">
-                <a16:creationId xmlns:a16="http://schemas.microsoft.com/office/drawing/2014/main" id="{B5462EDF-E92E-4F30-ACA3-574ED5125416}"/>
-              </a:ext>
-            </a:extLst>
-          </p:cNvPr>
-          <p:cNvSpPr>
-            <a:spLocks noGrp="1"/>
-          </p:cNvSpPr>
-          <p:nvPr>
-            <p:ph idx="1"/>
-          </p:nvPr>
-        </p:nvSpPr>
-        <p:spPr/>
-        <p:txBody>
-          <a:bodyPr/>
-          <a:lstStyle/>
-          <a:p>
-            <a:r>
-              <a:rPr lang="en-US" dirty="0"/>
-              <a:t>It’s interesting that there are so many -1. What does that mean? From the documentation:</a:t>
-            </a:r>
-          </a:p>
-          <a:p>
-            <a:pPr marL="0" indent="0">
-              <a:buNone/>
-            </a:pPr>
-            <a:r>
-              <a:rPr lang="en-US" dirty="0"/>
-              <a:t>	</a:t>
-            </a:r>
-            <a:r>
-              <a:rPr lang="en-US" dirty="0">
-                <a:latin typeface="Goudy Old Style" panose="02020502050305020303" pitchFamily="18" charset="0"/>
-              </a:rPr>
-              <a:t>(-1 if the user watched it but didn’t assign a rating)</a:t>
-            </a:r>
-          </a:p>
-          <a:p>
-            <a:pPr marL="0" indent="0">
-              <a:buNone/>
-            </a:pPr>
-            <a:endParaRPr lang="en-US" dirty="0"/>
-          </a:p>
-          <a:p>
-            <a:r>
-              <a:rPr lang="en-US" dirty="0"/>
-              <a:t>OK, so it’s a NA placeholder. Let’s actually replace that with NA.</a:t>
-            </a:r>
-            <a:endParaRPr lang="en-IN" dirty="0"/>
-          </a:p>
-        </p:txBody>
-      </p:sp>
-    </p:spTree>
-    <p:extLst>
-      <p:ext uri="{BB962C8B-B14F-4D97-AF65-F5344CB8AC3E}">
-        <p14:creationId xmlns:p14="http://schemas.microsoft.com/office/powerpoint/2010/main" val="3383059965"/>
-      </p:ext>
-    </p:extLst>
-  </p:cSld>
-  <p:clrMapOvr>
-    <a:masterClrMapping/>
-  </p:clrMapOvr>
-</p:sld>
-</file>
-
-<file path=ppt/slides/slide8.xml><?xml version="1.0" encoding="utf-8"?>
-<p:sld xmlns:a="http://schemas.openxmlformats.org/drawingml/2006/main" xmlns:r="http://schemas.openxmlformats.org/officeDocument/2006/relationships" xmlns:p="http://schemas.openxmlformats.org/presentationml/2006/main">
-  <p:cSld>
-    <p:spTree>
-      <p:nvGrpSpPr>
-        <p:cNvPr id="1" name=""/>
-        <p:cNvGrpSpPr/>
-        <p:nvPr/>
-      </p:nvGrpSpPr>
-      <p:grpSpPr>
-        <a:xfrm>
-          <a:off x="0" y="0"/>
-          <a:ext cx="0" cy="0"/>
-          <a:chOff x="0" y="0"/>
-          <a:chExt cx="0" cy="0"/>
-        </a:xfrm>
-      </p:grpSpPr>
-      <p:sp>
-        <p:nvSpPr>
-          <p:cNvPr id="2" name="Title 1">
-            <a:extLst>
-              <a:ext uri="{FF2B5EF4-FFF2-40B4-BE49-F238E27FC236}">
                 <a16:creationId xmlns:a16="http://schemas.microsoft.com/office/drawing/2014/main" id="{3BBFA4BC-C076-43F7-915F-24FC344FB36A}"/>
               </a:ext>
             </a:extLst>
@@ -16307,7 +16181,7 @@
 </p:sld>
 </file>
 
-<file path=ppt/slides/slide9.xml><?xml version="1.0" encoding="utf-8"?>
+<file path=ppt/slides/slide8.xml><?xml version="1.0" encoding="utf-8"?>
 <p:sld xmlns:a="http://schemas.openxmlformats.org/drawingml/2006/main" xmlns:r="http://schemas.openxmlformats.org/officeDocument/2006/relationships" xmlns:p="http://schemas.openxmlformats.org/presentationml/2006/main">
   <p:cSld>
     <p:spTree>
@@ -16392,6 +16266,108 @@
     <p:extLst>
       <p:ext uri="{BB962C8B-B14F-4D97-AF65-F5344CB8AC3E}">
         <p14:creationId xmlns:p14="http://schemas.microsoft.com/office/powerpoint/2010/main" val="1144397979"/>
+      </p:ext>
+    </p:extLst>
+  </p:cSld>
+  <p:clrMapOvr>
+    <a:masterClrMapping/>
+  </p:clrMapOvr>
+</p:sld>
+</file>
+
+<file path=ppt/slides/slide9.xml><?xml version="1.0" encoding="utf-8"?>
+<p:sld xmlns:a="http://schemas.openxmlformats.org/drawingml/2006/main" xmlns:r="http://schemas.openxmlformats.org/officeDocument/2006/relationships" xmlns:p="http://schemas.openxmlformats.org/presentationml/2006/main">
+  <p:cSld>
+    <p:spTree>
+      <p:nvGrpSpPr>
+        <p:cNvPr id="1" name=""/>
+        <p:cNvGrpSpPr/>
+        <p:nvPr/>
+      </p:nvGrpSpPr>
+      <p:grpSpPr>
+        <a:xfrm>
+          <a:off x="0" y="0"/>
+          <a:ext cx="0" cy="0"/>
+          <a:chOff x="0" y="0"/>
+          <a:chExt cx="0" cy="0"/>
+        </a:xfrm>
+      </p:grpSpPr>
+      <p:sp>
+        <p:nvSpPr>
+          <p:cNvPr id="2" name="Title 1">
+            <a:extLst>
+              <a:ext uri="{FF2B5EF4-FFF2-40B4-BE49-F238E27FC236}">
+                <a16:creationId xmlns:a16="http://schemas.microsoft.com/office/drawing/2014/main" id="{D4246AB5-EA21-4456-AABE-E2D04758E4B1}"/>
+              </a:ext>
+            </a:extLst>
+          </p:cNvPr>
+          <p:cNvSpPr>
+            <a:spLocks noGrp="1"/>
+          </p:cNvSpPr>
+          <p:nvPr>
+            <p:ph type="title"/>
+          </p:nvPr>
+        </p:nvSpPr>
+        <p:spPr/>
+        <p:txBody>
+          <a:bodyPr/>
+          <a:lstStyle/>
+          <a:p>
+            <a:r>
+              <a:rPr lang="en-US" dirty="0"/>
+              <a:t>How many </a:t>
+            </a:r>
+            <a:r>
+              <a:rPr lang="en-US" dirty="0" err="1"/>
+              <a:t>animes</a:t>
+            </a:r>
+            <a:r>
+              <a:rPr lang="en-US" dirty="0"/>
+              <a:t> do people rate?</a:t>
+            </a:r>
+            <a:endParaRPr lang="en-IN" dirty="0"/>
+          </a:p>
+        </p:txBody>
+      </p:sp>
+      <p:pic>
+        <p:nvPicPr>
+          <p:cNvPr id="5" name="Content Placeholder 4">
+            <a:extLst>
+              <a:ext uri="{FF2B5EF4-FFF2-40B4-BE49-F238E27FC236}">
+                <a16:creationId xmlns:a16="http://schemas.microsoft.com/office/drawing/2014/main" id="{05390642-3526-49AD-8B48-F38BD7F7FE55}"/>
+              </a:ext>
+            </a:extLst>
+          </p:cNvPr>
+          <p:cNvPicPr>
+            <a:picLocks noGrp="1" noChangeAspect="1"/>
+          </p:cNvPicPr>
+          <p:nvPr>
+            <p:ph idx="1"/>
+          </p:nvPr>
+        </p:nvPicPr>
+        <p:blipFill>
+          <a:blip r:embed="rId2">
+            <a:extLst>
+              <a:ext uri="{28A0092B-C50C-407E-A947-70E740481C1C}">
+                <a14:useLocalDpi xmlns:a14="http://schemas.microsoft.com/office/drawing/2010/main" val="0"/>
+              </a:ext>
+            </a:extLst>
+          </a:blip>
+          <a:stretch>
+            <a:fillRect/>
+          </a:stretch>
+        </p:blipFill>
+        <p:spPr>
+          <a:xfrm>
+            <a:off x="1502247" y="2336800"/>
+            <a:ext cx="7971481" cy="3598863"/>
+          </a:xfrm>
+        </p:spPr>
+      </p:pic>
+    </p:spTree>
+    <p:extLst>
+      <p:ext uri="{BB962C8B-B14F-4D97-AF65-F5344CB8AC3E}">
+        <p14:creationId xmlns:p14="http://schemas.microsoft.com/office/powerpoint/2010/main" val="2500912564"/>
       </p:ext>
     </p:extLst>
   </p:cSld>
